--- a/docs/songs/10000 reasons.pptx
+++ b/docs/songs/10000 reasons.pptx
@@ -312,7 +312,7 @@
             <a:fld id="{26EA1CF3-4A15-4CBF-9A5A-6A56C368BE71}" type="datetimeFigureOut">
               <a:rPr lang="en-GB" smtClean="0"/>
               <a:pPr/>
-              <a:t>03/10/2022</a:t>
+              <a:t>28/06/2025</a:t>
             </a:fld>
             <a:endParaRPr lang="en-GB"/>
           </a:p>
@@ -479,7 +479,7 @@
             <a:fld id="{26EA1CF3-4A15-4CBF-9A5A-6A56C368BE71}" type="datetimeFigureOut">
               <a:rPr lang="en-GB" smtClean="0"/>
               <a:pPr/>
-              <a:t>03/10/2022</a:t>
+              <a:t>28/06/2025</a:t>
             </a:fld>
             <a:endParaRPr lang="en-GB"/>
           </a:p>
@@ -656,7 +656,7 @@
             <a:fld id="{26EA1CF3-4A15-4CBF-9A5A-6A56C368BE71}" type="datetimeFigureOut">
               <a:rPr lang="en-GB" smtClean="0"/>
               <a:pPr/>
-              <a:t>03/10/2022</a:t>
+              <a:t>28/06/2025</a:t>
             </a:fld>
             <a:endParaRPr lang="en-GB"/>
           </a:p>
@@ -823,7 +823,7 @@
             <a:fld id="{26EA1CF3-4A15-4CBF-9A5A-6A56C368BE71}" type="datetimeFigureOut">
               <a:rPr lang="en-GB" smtClean="0"/>
               <a:pPr/>
-              <a:t>03/10/2022</a:t>
+              <a:t>28/06/2025</a:t>
             </a:fld>
             <a:endParaRPr lang="en-GB"/>
           </a:p>
@@ -1066,7 +1066,7 @@
             <a:fld id="{26EA1CF3-4A15-4CBF-9A5A-6A56C368BE71}" type="datetimeFigureOut">
               <a:rPr lang="en-GB" smtClean="0"/>
               <a:pPr/>
-              <a:t>03/10/2022</a:t>
+              <a:t>28/06/2025</a:t>
             </a:fld>
             <a:endParaRPr lang="en-GB"/>
           </a:p>
@@ -1351,7 +1351,7 @@
             <a:fld id="{26EA1CF3-4A15-4CBF-9A5A-6A56C368BE71}" type="datetimeFigureOut">
               <a:rPr lang="en-GB" smtClean="0"/>
               <a:pPr/>
-              <a:t>03/10/2022</a:t>
+              <a:t>28/06/2025</a:t>
             </a:fld>
             <a:endParaRPr lang="en-GB"/>
           </a:p>
@@ -1770,7 +1770,7 @@
             <a:fld id="{26EA1CF3-4A15-4CBF-9A5A-6A56C368BE71}" type="datetimeFigureOut">
               <a:rPr lang="en-GB" smtClean="0"/>
               <a:pPr/>
-              <a:t>03/10/2022</a:t>
+              <a:t>28/06/2025</a:t>
             </a:fld>
             <a:endParaRPr lang="en-GB"/>
           </a:p>
@@ -1885,7 +1885,7 @@
             <a:fld id="{26EA1CF3-4A15-4CBF-9A5A-6A56C368BE71}" type="datetimeFigureOut">
               <a:rPr lang="en-GB" smtClean="0"/>
               <a:pPr/>
-              <a:t>03/10/2022</a:t>
+              <a:t>28/06/2025</a:t>
             </a:fld>
             <a:endParaRPr lang="en-GB"/>
           </a:p>
@@ -1977,7 +1977,7 @@
             <a:fld id="{26EA1CF3-4A15-4CBF-9A5A-6A56C368BE71}" type="datetimeFigureOut">
               <a:rPr lang="en-GB" smtClean="0"/>
               <a:pPr/>
-              <a:t>03/10/2022</a:t>
+              <a:t>28/06/2025</a:t>
             </a:fld>
             <a:endParaRPr lang="en-GB"/>
           </a:p>
@@ -2251,7 +2251,7 @@
             <a:fld id="{26EA1CF3-4A15-4CBF-9A5A-6A56C368BE71}" type="datetimeFigureOut">
               <a:rPr lang="en-GB" smtClean="0"/>
               <a:pPr/>
-              <a:t>03/10/2022</a:t>
+              <a:t>28/06/2025</a:t>
             </a:fld>
             <a:endParaRPr lang="en-GB"/>
           </a:p>
@@ -2501,7 +2501,7 @@
             <a:fld id="{26EA1CF3-4A15-4CBF-9A5A-6A56C368BE71}" type="datetimeFigureOut">
               <a:rPr lang="en-GB" smtClean="0"/>
               <a:pPr/>
-              <a:t>03/10/2022</a:t>
+              <a:t>28/06/2025</a:t>
             </a:fld>
             <a:endParaRPr lang="en-GB"/>
           </a:p>
@@ -2714,7 +2714,7 @@
             <a:fld id="{26EA1CF3-4A15-4CBF-9A5A-6A56C368BE71}" type="datetimeFigureOut">
               <a:rPr lang="en-GB" smtClean="0"/>
               <a:pPr/>
-              <a:t>03/10/2022</a:t>
+              <a:t>28/06/2025</a:t>
             </a:fld>
             <a:endParaRPr lang="en-GB"/>
           </a:p>
@@ -3282,7 +3282,7 @@
         </p:nvSpPr>
         <p:spPr>
           <a:xfrm>
-            <a:off x="323528" y="188640"/>
+            <a:off x="251520" y="836712"/>
             <a:ext cx="8640960" cy="6480720"/>
           </a:xfrm>
         </p:spPr>
@@ -3293,7 +3293,7 @@
           <a:lstStyle/>
           <a:p>
             <a:r>
-              <a:rPr lang="en-GB" sz="5400" dirty="0">
+              <a:rPr lang="en-GB" sz="3600" dirty="0">
                 <a:solidFill>
                   <a:schemeClr val="bg1"/>
                 </a:solidFill>
@@ -3303,7 +3303,7 @@
           </a:p>
           <a:p>
             <a:r>
-              <a:rPr lang="en-GB" sz="5400" dirty="0">
+              <a:rPr lang="en-GB" sz="3600" dirty="0">
                 <a:solidFill>
                   <a:schemeClr val="bg1"/>
                 </a:solidFill>
@@ -3313,7 +3313,7 @@
           </a:p>
           <a:p>
             <a:r>
-              <a:rPr lang="en-GB" sz="5400" dirty="0">
+              <a:rPr lang="en-GB" sz="3600" dirty="0">
                 <a:solidFill>
                   <a:schemeClr val="bg1"/>
                 </a:solidFill>
@@ -3323,7 +3323,7 @@
           </a:p>
           <a:p>
             <a:r>
-              <a:rPr lang="en-GB" sz="5400" dirty="0">
+              <a:rPr lang="en-GB" sz="3600" dirty="0">
                 <a:solidFill>
                   <a:schemeClr val="bg1"/>
                 </a:solidFill>
@@ -3408,7 +3408,7 @@
         </p:nvSpPr>
         <p:spPr>
           <a:xfrm>
-            <a:off x="323528" y="188640"/>
+            <a:off x="251520" y="764704"/>
             <a:ext cx="8640960" cy="6480720"/>
           </a:xfrm>
         </p:spPr>
@@ -3419,7 +3419,7 @@
           <a:lstStyle/>
           <a:p>
             <a:r>
-              <a:rPr lang="en-GB" sz="5200" dirty="0">
+              <a:rPr lang="en-GB" sz="3600" dirty="0">
                 <a:solidFill>
                   <a:schemeClr val="bg1"/>
                 </a:solidFill>
@@ -3429,7 +3429,7 @@
           </a:p>
           <a:p>
             <a:r>
-              <a:rPr lang="en-GB" sz="5200" dirty="0">
+              <a:rPr lang="en-GB" sz="3600" dirty="0">
                 <a:solidFill>
                   <a:schemeClr val="bg1"/>
                 </a:solidFill>
@@ -3439,7 +3439,7 @@
           </a:p>
           <a:p>
             <a:r>
-              <a:rPr lang="en-GB" sz="5200" dirty="0">
+              <a:rPr lang="en-GB" sz="3600" dirty="0">
                 <a:solidFill>
                   <a:schemeClr val="bg1"/>
                 </a:solidFill>
@@ -3449,7 +3449,7 @@
           </a:p>
           <a:p>
             <a:r>
-              <a:rPr lang="en-GB" sz="5200" dirty="0">
+              <a:rPr lang="en-GB" sz="3600" dirty="0">
                 <a:solidFill>
                   <a:schemeClr val="bg1"/>
                 </a:solidFill>
@@ -3534,7 +3534,7 @@
         </p:nvSpPr>
         <p:spPr>
           <a:xfrm>
-            <a:off x="323528" y="188640"/>
+            <a:off x="251520" y="764704"/>
             <a:ext cx="8640960" cy="6480720"/>
           </a:xfrm>
         </p:spPr>
@@ -3545,7 +3545,7 @@
           <a:lstStyle/>
           <a:p>
             <a:r>
-              <a:rPr lang="en-GB" sz="5400" dirty="0">
+              <a:rPr lang="en-GB" sz="3600" dirty="0">
                 <a:solidFill>
                   <a:schemeClr val="bg1"/>
                 </a:solidFill>
@@ -3555,7 +3555,7 @@
           </a:p>
           <a:p>
             <a:r>
-              <a:rPr lang="en-GB" sz="5400" dirty="0">
+              <a:rPr lang="en-GB" sz="3600" dirty="0">
                 <a:solidFill>
                   <a:schemeClr val="bg1"/>
                 </a:solidFill>
@@ -3565,7 +3565,7 @@
           </a:p>
           <a:p>
             <a:r>
-              <a:rPr lang="en-GB" sz="5400" dirty="0">
+              <a:rPr lang="en-GB" sz="3600" dirty="0">
                 <a:solidFill>
                   <a:schemeClr val="bg1"/>
                 </a:solidFill>
@@ -3575,7 +3575,7 @@
           </a:p>
           <a:p>
             <a:r>
-              <a:rPr lang="en-GB" sz="5400" dirty="0">
+              <a:rPr lang="en-GB" sz="3600" dirty="0">
                 <a:solidFill>
                   <a:schemeClr val="bg1"/>
                 </a:solidFill>
@@ -3660,7 +3660,7 @@
         </p:nvSpPr>
         <p:spPr>
           <a:xfrm>
-            <a:off x="323528" y="188640"/>
+            <a:off x="395536" y="764704"/>
             <a:ext cx="8640960" cy="6480720"/>
           </a:xfrm>
         </p:spPr>
@@ -3671,7 +3671,7 @@
           <a:lstStyle/>
           <a:p>
             <a:r>
-              <a:rPr lang="en-GB" sz="5000" dirty="0">
+              <a:rPr lang="en-GB" sz="3600" dirty="0">
                 <a:solidFill>
                   <a:schemeClr val="bg1"/>
                 </a:solidFill>
@@ -3681,7 +3681,7 @@
           </a:p>
           <a:p>
             <a:r>
-              <a:rPr lang="en-GB" sz="5000" dirty="0">
+              <a:rPr lang="en-GB" sz="3600" dirty="0">
                 <a:solidFill>
                   <a:schemeClr val="bg1"/>
                 </a:solidFill>
@@ -3691,7 +3691,7 @@
           </a:p>
           <a:p>
             <a:r>
-              <a:rPr lang="en-GB" sz="5000" dirty="0">
+              <a:rPr lang="en-GB" sz="3600" dirty="0">
                 <a:solidFill>
                   <a:schemeClr val="bg1"/>
                 </a:solidFill>
@@ -3701,7 +3701,7 @@
           </a:p>
           <a:p>
             <a:r>
-              <a:rPr lang="en-GB" sz="5000" dirty="0">
+              <a:rPr lang="en-GB" sz="3600" dirty="0">
                 <a:solidFill>
                   <a:schemeClr val="bg1"/>
                 </a:solidFill>
@@ -3786,7 +3786,7 @@
         </p:nvSpPr>
         <p:spPr>
           <a:xfrm>
-            <a:off x="323528" y="188640"/>
+            <a:off x="231698" y="764704"/>
             <a:ext cx="8640960" cy="6480720"/>
           </a:xfrm>
         </p:spPr>
@@ -3797,7 +3797,7 @@
           <a:lstStyle/>
           <a:p>
             <a:r>
-              <a:rPr lang="en-GB" sz="5400" dirty="0">
+              <a:rPr lang="en-GB" sz="3600" dirty="0">
                 <a:solidFill>
                   <a:schemeClr val="bg1"/>
                 </a:solidFill>
@@ -3807,7 +3807,7 @@
           </a:p>
           <a:p>
             <a:r>
-              <a:rPr lang="en-GB" sz="5400" dirty="0">
+              <a:rPr lang="en-GB" sz="3600" dirty="0">
                 <a:solidFill>
                   <a:schemeClr val="bg1"/>
                 </a:solidFill>
@@ -3817,7 +3817,7 @@
           </a:p>
           <a:p>
             <a:r>
-              <a:rPr lang="en-GB" sz="5400" dirty="0">
+              <a:rPr lang="en-GB" sz="3600" dirty="0">
                 <a:solidFill>
                   <a:schemeClr val="bg1"/>
                 </a:solidFill>
@@ -3827,7 +3827,7 @@
           </a:p>
           <a:p>
             <a:r>
-              <a:rPr lang="en-GB" sz="5400" dirty="0">
+              <a:rPr lang="en-GB" sz="3600" dirty="0">
                 <a:solidFill>
                   <a:schemeClr val="bg1"/>
                 </a:solidFill>
@@ -3912,7 +3912,7 @@
         </p:nvSpPr>
         <p:spPr>
           <a:xfrm>
-            <a:off x="323528" y="188640"/>
+            <a:off x="251520" y="764704"/>
             <a:ext cx="8640960" cy="6480720"/>
           </a:xfrm>
         </p:spPr>
@@ -3923,7 +3923,7 @@
           <a:lstStyle/>
           <a:p>
             <a:r>
-              <a:rPr lang="en-GB" sz="5000" dirty="0">
+              <a:rPr lang="en-GB" sz="3600" dirty="0">
                 <a:solidFill>
                   <a:schemeClr val="bg1"/>
                 </a:solidFill>
@@ -3933,7 +3933,7 @@
           </a:p>
           <a:p>
             <a:r>
-              <a:rPr lang="en-GB" sz="5000" dirty="0">
+              <a:rPr lang="en-GB" sz="3600" dirty="0">
                 <a:solidFill>
                   <a:schemeClr val="bg1"/>
                 </a:solidFill>
@@ -3943,7 +3943,7 @@
           </a:p>
           <a:p>
             <a:r>
-              <a:rPr lang="en-GB" sz="5000" dirty="0">
+              <a:rPr lang="en-GB" sz="3600" dirty="0">
                 <a:solidFill>
                   <a:schemeClr val="bg1"/>
                 </a:solidFill>
@@ -3953,7 +3953,7 @@
           </a:p>
           <a:p>
             <a:r>
-              <a:rPr lang="en-GB" sz="5000" dirty="0">
+              <a:rPr lang="en-GB" sz="3600" dirty="0">
                 <a:solidFill>
                   <a:schemeClr val="bg1"/>
                 </a:solidFill>
@@ -4038,7 +4038,7 @@
         </p:nvSpPr>
         <p:spPr>
           <a:xfrm>
-            <a:off x="323528" y="188640"/>
+            <a:off x="251520" y="764704"/>
             <a:ext cx="8640960" cy="6480720"/>
           </a:xfrm>
         </p:spPr>
@@ -4049,7 +4049,7 @@
           <a:lstStyle/>
           <a:p>
             <a:r>
-              <a:rPr lang="en-GB" sz="5400" dirty="0">
+              <a:rPr lang="en-GB" sz="3600" dirty="0">
                 <a:solidFill>
                   <a:schemeClr val="bg1"/>
                 </a:solidFill>
@@ -4059,7 +4059,7 @@
           </a:p>
           <a:p>
             <a:r>
-              <a:rPr lang="en-GB" sz="5400" dirty="0">
+              <a:rPr lang="en-GB" sz="3600" dirty="0">
                 <a:solidFill>
                   <a:schemeClr val="bg1"/>
                 </a:solidFill>
@@ -4069,7 +4069,7 @@
           </a:p>
           <a:p>
             <a:r>
-              <a:rPr lang="en-GB" sz="5400" dirty="0">
+              <a:rPr lang="en-GB" sz="3600" dirty="0">
                 <a:solidFill>
                   <a:schemeClr val="bg1"/>
                 </a:solidFill>
@@ -4079,7 +4079,7 @@
           </a:p>
           <a:p>
             <a:r>
-              <a:rPr lang="en-GB" sz="5400" dirty="0">
+              <a:rPr lang="en-GB" sz="3600" dirty="0">
                 <a:solidFill>
                   <a:schemeClr val="bg1"/>
                 </a:solidFill>
